--- a/Meeating/졸업작품_최종결과보고서요약서.pptx
+++ b/Meeating/졸업작품_최종결과보고서요약서.pptx
@@ -107,6 +107,11 @@
       </a:defRPr>
     </a:lvl9pPr>
   </p:defaultTextStyle>
+  <p:extLst>
+    <p:ext uri="{EFAFB233-063F-42B5-8137-9DF3F51BA10A}">
+      <p15:sldGuideLst xmlns:p15="http://schemas.microsoft.com/office/powerpoint/2012/main"/>
+    </p:ext>
+  </p:extLst>
 </p:presentation>
 </file>
 
@@ -257,7 +262,7 @@
           <a:p>
             <a:fld id="{3FF4CE15-390C-4C4A-B867-1898B9EEDE7D}" type="datetimeFigureOut">
               <a:rPr kumimoji="1" lang="ko-KR" altLang="en-US" smtClean="0"/>
-              <a:t>2023. 9. 6.</a:t>
+              <a:t>2023. 9. 13.</a:t>
             </a:fld>
             <a:endParaRPr kumimoji="1" lang="ko-KR" altLang="en-US"/>
           </a:p>
@@ -455,7 +460,7 @@
           <a:p>
             <a:fld id="{3FF4CE15-390C-4C4A-B867-1898B9EEDE7D}" type="datetimeFigureOut">
               <a:rPr kumimoji="1" lang="ko-KR" altLang="en-US" smtClean="0"/>
-              <a:t>2023. 9. 6.</a:t>
+              <a:t>2023. 9. 13.</a:t>
             </a:fld>
             <a:endParaRPr kumimoji="1" lang="ko-KR" altLang="en-US"/>
           </a:p>
@@ -663,7 +668,7 @@
           <a:p>
             <a:fld id="{3FF4CE15-390C-4C4A-B867-1898B9EEDE7D}" type="datetimeFigureOut">
               <a:rPr kumimoji="1" lang="ko-KR" altLang="en-US" smtClean="0"/>
-              <a:t>2023. 9. 6.</a:t>
+              <a:t>2023. 9. 13.</a:t>
             </a:fld>
             <a:endParaRPr kumimoji="1" lang="ko-KR" altLang="en-US"/>
           </a:p>
@@ -861,7 +866,7 @@
           <a:p>
             <a:fld id="{3FF4CE15-390C-4C4A-B867-1898B9EEDE7D}" type="datetimeFigureOut">
               <a:rPr kumimoji="1" lang="ko-KR" altLang="en-US" smtClean="0"/>
-              <a:t>2023. 9. 6.</a:t>
+              <a:t>2023. 9. 13.</a:t>
             </a:fld>
             <a:endParaRPr kumimoji="1" lang="ko-KR" altLang="en-US"/>
           </a:p>
@@ -1136,7 +1141,7 @@
           <a:p>
             <a:fld id="{3FF4CE15-390C-4C4A-B867-1898B9EEDE7D}" type="datetimeFigureOut">
               <a:rPr kumimoji="1" lang="ko-KR" altLang="en-US" smtClean="0"/>
-              <a:t>2023. 9. 6.</a:t>
+              <a:t>2023. 9. 13.</a:t>
             </a:fld>
             <a:endParaRPr kumimoji="1" lang="ko-KR" altLang="en-US"/>
           </a:p>
@@ -1401,7 +1406,7 @@
           <a:p>
             <a:fld id="{3FF4CE15-390C-4C4A-B867-1898B9EEDE7D}" type="datetimeFigureOut">
               <a:rPr kumimoji="1" lang="ko-KR" altLang="en-US" smtClean="0"/>
-              <a:t>2023. 9. 6.</a:t>
+              <a:t>2023. 9. 13.</a:t>
             </a:fld>
             <a:endParaRPr kumimoji="1" lang="ko-KR" altLang="en-US"/>
           </a:p>
@@ -1813,7 +1818,7 @@
           <a:p>
             <a:fld id="{3FF4CE15-390C-4C4A-B867-1898B9EEDE7D}" type="datetimeFigureOut">
               <a:rPr kumimoji="1" lang="ko-KR" altLang="en-US" smtClean="0"/>
-              <a:t>2023. 9. 6.</a:t>
+              <a:t>2023. 9. 13.</a:t>
             </a:fld>
             <a:endParaRPr kumimoji="1" lang="ko-KR" altLang="en-US"/>
           </a:p>
@@ -1954,7 +1959,7 @@
           <a:p>
             <a:fld id="{3FF4CE15-390C-4C4A-B867-1898B9EEDE7D}" type="datetimeFigureOut">
               <a:rPr kumimoji="1" lang="ko-KR" altLang="en-US" smtClean="0"/>
-              <a:t>2023. 9. 6.</a:t>
+              <a:t>2023. 9. 13.</a:t>
             </a:fld>
             <a:endParaRPr kumimoji="1" lang="ko-KR" altLang="en-US"/>
           </a:p>
@@ -2067,7 +2072,7 @@
           <a:p>
             <a:fld id="{3FF4CE15-390C-4C4A-B867-1898B9EEDE7D}" type="datetimeFigureOut">
               <a:rPr kumimoji="1" lang="ko-KR" altLang="en-US" smtClean="0"/>
-              <a:t>2023. 9. 6.</a:t>
+              <a:t>2023. 9. 13.</a:t>
             </a:fld>
             <a:endParaRPr kumimoji="1" lang="ko-KR" altLang="en-US"/>
           </a:p>
@@ -2378,7 +2383,7 @@
           <a:p>
             <a:fld id="{3FF4CE15-390C-4C4A-B867-1898B9EEDE7D}" type="datetimeFigureOut">
               <a:rPr kumimoji="1" lang="ko-KR" altLang="en-US" smtClean="0"/>
-              <a:t>2023. 9. 6.</a:t>
+              <a:t>2023. 9. 13.</a:t>
             </a:fld>
             <a:endParaRPr kumimoji="1" lang="ko-KR" altLang="en-US"/>
           </a:p>
@@ -2666,7 +2671,7 @@
           <a:p>
             <a:fld id="{3FF4CE15-390C-4C4A-B867-1898B9EEDE7D}" type="datetimeFigureOut">
               <a:rPr kumimoji="1" lang="ko-KR" altLang="en-US" smtClean="0"/>
-              <a:t>2023. 9. 6.</a:t>
+              <a:t>2023. 9. 13.</a:t>
             </a:fld>
             <a:endParaRPr kumimoji="1" lang="ko-KR" altLang="en-US"/>
           </a:p>
@@ -2907,7 +2912,7 @@
           <a:p>
             <a:fld id="{3FF4CE15-390C-4C4A-B867-1898B9EEDE7D}" type="datetimeFigureOut">
               <a:rPr kumimoji="1" lang="ko-KR" altLang="en-US" smtClean="0"/>
-              <a:t>2023. 9. 6.</a:t>
+              <a:t>2023. 9. 13.</a:t>
             </a:fld>
             <a:endParaRPr kumimoji="1" lang="ko-KR" altLang="en-US"/>
           </a:p>
@@ -3472,14 +3477,7 @@
                 <a:latin typeface="BM HANNA Pro OTF" panose="020B0600000101010101" pitchFamily="34" charset="-127"/>
                 <a:ea typeface="BM HANNA Pro OTF" panose="020B0600000101010101" pitchFamily="34" charset="-127"/>
               </a:rPr>
-              <a:t> </a:t>
-            </a:r>
-            <a:r>
-              <a:rPr kumimoji="1" lang="ko-KR" altLang="en-US" dirty="0">
-                <a:latin typeface="BM HANNA Pro OTF" panose="020B0600000101010101" pitchFamily="34" charset="-127"/>
-                <a:ea typeface="BM HANNA Pro OTF" panose="020B0600000101010101" pitchFamily="34" charset="-127"/>
-              </a:rPr>
-              <a:t>박형근</a:t>
+              <a:t> 박형근</a:t>
             </a:r>
             <a:r>
               <a:rPr kumimoji="1" lang="en-US" altLang="ko-KR" dirty="0">
@@ -4491,18 +4489,11 @@
               <a:t>취약점에 대한 문제</a:t>
             </a:r>
             <a:r>
-              <a:rPr kumimoji="1" lang="en-US" altLang="ko-KR" dirty="0">
+              <a:rPr kumimoji="1" lang="en-US" altLang="ko-KR">
                 <a:latin typeface="NanumSquare Neo Regular" pitchFamily="2" charset="-127"/>
                 <a:ea typeface="NanumSquare Neo Regular" pitchFamily="2" charset="-127"/>
               </a:rPr>
               <a:t>.)</a:t>
-            </a:r>
-            <a:r>
-              <a:rPr kumimoji="1" lang="ko-KR" altLang="en-US">
-                <a:latin typeface="NanumSquare Neo Regular" pitchFamily="2" charset="-127"/>
-                <a:ea typeface="NanumSquare Neo Regular" pitchFamily="2" charset="-127"/>
-              </a:rPr>
-              <a:t> </a:t>
             </a:r>
             <a:endParaRPr kumimoji="1" lang="en-US" altLang="ko-KR" dirty="0">
               <a:latin typeface="NanumSquare Neo Regular" pitchFamily="2" charset="-127"/>
